--- a/docs/6_presentation/rdh36-viva-presentation.pptx
+++ b/docs/6_presentation/rdh36-viva-presentation.pptx
@@ -5,7 +5,7 @@
     <p:sldMasterId id="2147483813" r:id="rId1"/>
   </p:sldMasterIdLst>
   <p:notesMasterIdLst>
-    <p:notesMasterId r:id="rId17"/>
+    <p:notesMasterId r:id="rId18"/>
   </p:notesMasterIdLst>
   <p:sldIdLst>
     <p:sldId id="256" r:id="rId2"/>
@@ -21,8 +21,9 @@
     <p:sldId id="266" r:id="rId12"/>
     <p:sldId id="267" r:id="rId13"/>
     <p:sldId id="268" r:id="rId14"/>
-    <p:sldId id="269" r:id="rId15"/>
-    <p:sldId id="270" r:id="rId16"/>
+    <p:sldId id="271" r:id="rId15"/>
+    <p:sldId id="269" r:id="rId16"/>
+    <p:sldId id="270" r:id="rId17"/>
   </p:sldIdLst>
   <p:sldSz cx="12192000" cy="6858000"/>
   <p:notesSz cx="6858000" cy="9144000"/>
@@ -121,6 +122,11 @@
       </a:defRPr>
     </a:lvl9pPr>
   </p:defaultTextStyle>
+  <p:extLst>
+    <p:ext uri="{EFAFB233-063F-42B5-8137-9DF3F51BA10A}">
+      <p15:sldGuideLst xmlns:p15="http://schemas.microsoft.com/office/powerpoint/2012/main"/>
+    </p:ext>
+  </p:extLst>
 </p:presentation>
 </file>
 
@@ -18737,7 +18743,7 @@
           <a:p>
             <a:fld id="{32C39997-0B1B-3540-B2CD-0EAB96C0583C}" type="datetimeFigureOut">
               <a:rPr lang="en-US" smtClean="0"/>
-              <a:t>8/31/21</a:t>
+              <a:t>9/13/21</a:t>
             </a:fld>
             <a:endParaRPr lang="en-US"/>
           </a:p>
@@ -19226,6 +19232,90 @@
           <a:bodyPr/>
           <a:lstStyle/>
           <a:p>
+            <a:endParaRPr lang="en-US" dirty="0"/>
+          </a:p>
+        </p:txBody>
+      </p:sp>
+      <p:sp>
+        <p:nvSpPr>
+          <p:cNvPr id="4" name="Slide Number Placeholder 3"/>
+          <p:cNvSpPr>
+            <a:spLocks noGrp="1"/>
+          </p:cNvSpPr>
+          <p:nvPr>
+            <p:ph type="sldNum" sz="quarter" idx="5"/>
+          </p:nvPr>
+        </p:nvSpPr>
+        <p:spPr/>
+        <p:txBody>
+          <a:bodyPr/>
+          <a:lstStyle/>
+          <a:p>
+            <a:fld id="{3F2B9D80-5385-0241-9F7C-EB0176020343}" type="slidenum">
+              <a:rPr lang="en-US" smtClean="0"/>
+              <a:t>14</a:t>
+            </a:fld>
+            <a:endParaRPr lang="en-US"/>
+          </a:p>
+        </p:txBody>
+      </p:sp>
+    </p:spTree>
+    <p:extLst>
+      <p:ext uri="{BB962C8B-B14F-4D97-AF65-F5344CB8AC3E}">
+        <p14:creationId xmlns:p14="http://schemas.microsoft.com/office/powerpoint/2010/main" val="1476471225"/>
+      </p:ext>
+    </p:extLst>
+  </p:cSld>
+  <p:clrMapOvr>
+    <a:masterClrMapping/>
+  </p:clrMapOvr>
+</p:notes>
+</file>
+
+<file path=ppt/notesSlides/notesSlide12.xml><?xml version="1.0" encoding="utf-8"?>
+<p:notes xmlns:a="http://schemas.openxmlformats.org/drawingml/2006/main" xmlns:r="http://schemas.openxmlformats.org/officeDocument/2006/relationships" xmlns:p="http://schemas.openxmlformats.org/presentationml/2006/main">
+  <p:cSld>
+    <p:spTree>
+      <p:nvGrpSpPr>
+        <p:cNvPr id="1" name=""/>
+        <p:cNvGrpSpPr/>
+        <p:nvPr/>
+      </p:nvGrpSpPr>
+      <p:grpSpPr>
+        <a:xfrm>
+          <a:off x="0" y="0"/>
+          <a:ext cx="0" cy="0"/>
+          <a:chOff x="0" y="0"/>
+          <a:chExt cx="0" cy="0"/>
+        </a:xfrm>
+      </p:grpSpPr>
+      <p:sp>
+        <p:nvSpPr>
+          <p:cNvPr id="2" name="Slide Image Placeholder 1"/>
+          <p:cNvSpPr>
+            <a:spLocks noGrp="1" noRot="1" noChangeAspect="1"/>
+          </p:cNvSpPr>
+          <p:nvPr>
+            <p:ph type="sldImg"/>
+          </p:nvPr>
+        </p:nvSpPr>
+        <p:spPr/>
+      </p:sp>
+      <p:sp>
+        <p:nvSpPr>
+          <p:cNvPr id="3" name="Notes Placeholder 2"/>
+          <p:cNvSpPr>
+            <a:spLocks noGrp="1"/>
+          </p:cNvSpPr>
+          <p:nvPr>
+            <p:ph type="body" idx="1"/>
+          </p:nvPr>
+        </p:nvSpPr>
+        <p:spPr/>
+        <p:txBody>
+          <a:bodyPr/>
+          <a:lstStyle/>
+          <a:p>
             <a:r>
               <a:rPr lang="en-US" dirty="0"/>
               <a:t>The player survey has been covered in detail in my dissertation, but for me there are two key responses that point to the success of the project.</a:t>
@@ -19268,7 +19358,7 @@
           <a:p>
             <a:fld id="{3F2B9D80-5385-0241-9F7C-EB0176020343}" type="slidenum">
               <a:rPr lang="en-US" smtClean="0"/>
-              <a:t>14</a:t>
+              <a:t>15</a:t>
             </a:fld>
             <a:endParaRPr lang="en-US"/>
           </a:p>
@@ -20186,7 +20276,7 @@
           <a:p>
             <a:fld id="{0DAF61AA-5A98-4049-A93E-477E5505141A}" type="datetimeFigureOut">
               <a:rPr lang="en-US" smtClean="0"/>
-              <a:t>8/28/21</a:t>
+              <a:t>9/13/21</a:t>
             </a:fld>
             <a:endParaRPr lang="en-US" dirty="0"/>
           </a:p>
@@ -20386,7 +20476,7 @@
           <a:p>
             <a:fld id="{0DAF61AA-5A98-4049-A93E-477E5505141A}" type="datetimeFigureOut">
               <a:rPr lang="en-US" smtClean="0"/>
-              <a:t>8/28/21</a:t>
+              <a:t>9/13/21</a:t>
             </a:fld>
             <a:endParaRPr lang="en-US"/>
           </a:p>
@@ -20596,7 +20686,7 @@
           <a:p>
             <a:fld id="{0DAF61AA-5A98-4049-A93E-477E5505141A}" type="datetimeFigureOut">
               <a:rPr lang="en-US" smtClean="0"/>
-              <a:t>8/28/21</a:t>
+              <a:t>9/13/21</a:t>
             </a:fld>
             <a:endParaRPr lang="en-US"/>
           </a:p>
@@ -20796,7 +20886,7 @@
           <a:p>
             <a:fld id="{0DAF61AA-5A98-4049-A93E-477E5505141A}" type="datetimeFigureOut">
               <a:rPr lang="en-US" smtClean="0"/>
-              <a:t>8/28/21</a:t>
+              <a:t>9/13/21</a:t>
             </a:fld>
             <a:endParaRPr lang="en-US"/>
           </a:p>
@@ -21072,7 +21162,7 @@
           <a:p>
             <a:fld id="{0DAF61AA-5A98-4049-A93E-477E5505141A}" type="datetimeFigureOut">
               <a:rPr lang="en-US" smtClean="0"/>
-              <a:t>8/28/21</a:t>
+              <a:t>9/13/21</a:t>
             </a:fld>
             <a:endParaRPr lang="en-US"/>
           </a:p>
@@ -21340,7 +21430,7 @@
           <a:p>
             <a:fld id="{0DAF61AA-5A98-4049-A93E-477E5505141A}" type="datetimeFigureOut">
               <a:rPr lang="en-US" smtClean="0"/>
-              <a:t>8/28/21</a:t>
+              <a:t>9/13/21</a:t>
             </a:fld>
             <a:endParaRPr lang="en-US"/>
           </a:p>
@@ -21755,7 +21845,7 @@
           <a:p>
             <a:fld id="{0DAF61AA-5A98-4049-A93E-477E5505141A}" type="datetimeFigureOut">
               <a:rPr lang="en-US" smtClean="0"/>
-              <a:t>8/28/21</a:t>
+              <a:t>9/13/21</a:t>
             </a:fld>
             <a:endParaRPr lang="en-US"/>
           </a:p>
@@ -21897,7 +21987,7 @@
           <a:p>
             <a:fld id="{0DAF61AA-5A98-4049-A93E-477E5505141A}" type="datetimeFigureOut">
               <a:rPr lang="en-US" smtClean="0"/>
-              <a:t>8/28/21</a:t>
+              <a:t>9/13/21</a:t>
             </a:fld>
             <a:endParaRPr lang="en-US"/>
           </a:p>
@@ -22010,7 +22100,7 @@
           <a:p>
             <a:fld id="{0DAF61AA-5A98-4049-A93E-477E5505141A}" type="datetimeFigureOut">
               <a:rPr lang="en-US" smtClean="0"/>
-              <a:t>8/28/21</a:t>
+              <a:t>9/13/21</a:t>
             </a:fld>
             <a:endParaRPr lang="en-US"/>
           </a:p>
@@ -22323,7 +22413,7 @@
           <a:p>
             <a:fld id="{0DAF61AA-5A98-4049-A93E-477E5505141A}" type="datetimeFigureOut">
               <a:rPr lang="en-US" smtClean="0"/>
-              <a:t>8/28/21</a:t>
+              <a:t>9/13/21</a:t>
             </a:fld>
             <a:endParaRPr lang="en-US"/>
           </a:p>
@@ -22612,7 +22702,7 @@
           <a:p>
             <a:fld id="{0DAF61AA-5A98-4049-A93E-477E5505141A}" type="datetimeFigureOut">
               <a:rPr lang="en-US" smtClean="0"/>
-              <a:t>8/28/21</a:t>
+              <a:t>9/13/21</a:t>
             </a:fld>
             <a:endParaRPr lang="en-US"/>
           </a:p>
@@ -22856,7 +22946,7 @@
             <a:fld id="{0DAF61AA-5A98-4049-A93E-477E5505141A}" type="datetimeFigureOut">
               <a:rPr lang="en-US" smtClean="0"/>
               <a:pPr/>
-              <a:t>8/28/21</a:t>
+              <a:t>9/13/21</a:t>
             </a:fld>
             <a:endParaRPr lang="en-US" dirty="0"/>
           </a:p>
@@ -24221,36 +24311,6 @@
           </a:prstGeom>
         </p:spPr>
       </p:pic>
-      <p:pic>
-        <p:nvPicPr>
-          <p:cNvPr id="12" name="Picture 11" descr="Chart, diagram, line chart&#10;&#10;Description automatically generated">
-            <a:extLst>
-              <a:ext uri="{FF2B5EF4-FFF2-40B4-BE49-F238E27FC236}">
-                <a16:creationId xmlns:a16="http://schemas.microsoft.com/office/drawing/2014/main" id="{5B4D00D4-29A3-7E4F-B906-402D5F4087D4}"/>
-              </a:ext>
-            </a:extLst>
-          </p:cNvPr>
-          <p:cNvPicPr>
-            <a:picLocks noChangeAspect="1"/>
-          </p:cNvPicPr>
-          <p:nvPr/>
-        </p:nvPicPr>
-        <p:blipFill>
-          <a:blip r:embed="rId6"/>
-          <a:stretch>
-            <a:fillRect/>
-          </a:stretch>
-        </p:blipFill>
-        <p:spPr>
-          <a:xfrm>
-            <a:off x="4695688" y="693117"/>
-            <a:ext cx="1270000" cy="1270000"/>
-          </a:xfrm>
-          <a:prstGeom prst="rect">
-            <a:avLst/>
-          </a:prstGeom>
-        </p:spPr>
-      </p:pic>
     </p:spTree>
     <p:extLst>
       <p:ext uri="{BB962C8B-B14F-4D97-AF65-F5344CB8AC3E}">
@@ -24453,6 +24513,144 @@
           <p:cNvPr id="2" name="Title 1">
             <a:extLst>
               <a:ext uri="{FF2B5EF4-FFF2-40B4-BE49-F238E27FC236}">
+                <a16:creationId xmlns:a16="http://schemas.microsoft.com/office/drawing/2014/main" id="{C61AA12D-D6C3-A64E-86F6-C687D9E77799}"/>
+              </a:ext>
+            </a:extLst>
+          </p:cNvPr>
+          <p:cNvSpPr>
+            <a:spLocks noGrp="1"/>
+          </p:cNvSpPr>
+          <p:nvPr>
+            <p:ph type="title"/>
+          </p:nvPr>
+        </p:nvSpPr>
+        <p:spPr>
+          <a:xfrm>
+            <a:off x="838200" y="688895"/>
+            <a:ext cx="10515600" cy="1325563"/>
+          </a:xfrm>
+        </p:spPr>
+        <p:txBody>
+          <a:bodyPr/>
+          <a:lstStyle/>
+          <a:p>
+            <a:r>
+              <a:rPr lang="en-US" dirty="0">
+                <a:latin typeface="Courier New" panose="02070309020205020404" pitchFamily="49" charset="0"/>
+                <a:cs typeface="Courier New" panose="02070309020205020404" pitchFamily="49" charset="0"/>
+              </a:rPr>
+              <a:t>More Feedback</a:t>
+            </a:r>
+            <a:br>
+              <a:rPr lang="en-US" dirty="0">
+                <a:latin typeface="Courier New" panose="02070309020205020404" pitchFamily="49" charset="0"/>
+                <a:cs typeface="Courier New" panose="02070309020205020404" pitchFamily="49" charset="0"/>
+              </a:rPr>
+            </a:br>
+            <a:r>
+              <a:rPr lang="en-US" dirty="0">
+                <a:latin typeface="Courier New" panose="02070309020205020404" pitchFamily="49" charset="0"/>
+                <a:cs typeface="Courier New" panose="02070309020205020404" pitchFamily="49" charset="0"/>
+              </a:rPr>
+              <a:t>Mechanisms</a:t>
+            </a:r>
+          </a:p>
+        </p:txBody>
+      </p:sp>
+      <p:pic>
+        <p:nvPicPr>
+          <p:cNvPr id="7" name="Content Placeholder 6" descr="Graphical user interface, application&#10;&#10;Description automatically generated">
+            <a:extLst>
+              <a:ext uri="{FF2B5EF4-FFF2-40B4-BE49-F238E27FC236}">
+                <a16:creationId xmlns:a16="http://schemas.microsoft.com/office/drawing/2014/main" id="{CE85F61A-7411-F944-A942-40908293F45B}"/>
+              </a:ext>
+            </a:extLst>
+          </p:cNvPr>
+          <p:cNvPicPr>
+            <a:picLocks noGrp="1" noChangeAspect="1"/>
+          </p:cNvPicPr>
+          <p:nvPr>
+            <p:ph sz="half" idx="2"/>
+          </p:nvPr>
+        </p:nvPicPr>
+        <p:blipFill>
+          <a:blip r:embed="rId3"/>
+          <a:stretch>
+            <a:fillRect/>
+          </a:stretch>
+        </p:blipFill>
+        <p:spPr>
+          <a:xfrm>
+            <a:off x="6172200" y="2097317"/>
+            <a:ext cx="5181600" cy="3807954"/>
+          </a:xfrm>
+        </p:spPr>
+      </p:pic>
+      <p:pic>
+        <p:nvPicPr>
+          <p:cNvPr id="12" name="Picture 11" descr="Chart, diagram, line chart&#10;&#10;Description automatically generated">
+            <a:extLst>
+              <a:ext uri="{FF2B5EF4-FFF2-40B4-BE49-F238E27FC236}">
+                <a16:creationId xmlns:a16="http://schemas.microsoft.com/office/drawing/2014/main" id="{16C95F86-95BE-944C-A439-40D5D954D578}"/>
+              </a:ext>
+            </a:extLst>
+          </p:cNvPr>
+          <p:cNvPicPr>
+            <a:picLocks noChangeAspect="1"/>
+          </p:cNvPicPr>
+          <p:nvPr/>
+        </p:nvPicPr>
+        <p:blipFill>
+          <a:blip r:embed="rId4"/>
+          <a:stretch>
+            <a:fillRect/>
+          </a:stretch>
+        </p:blipFill>
+        <p:spPr>
+          <a:xfrm>
+            <a:off x="10083800" y="606036"/>
+            <a:ext cx="1270000" cy="1270000"/>
+          </a:xfrm>
+          <a:prstGeom prst="rect">
+            <a:avLst/>
+          </a:prstGeom>
+        </p:spPr>
+      </p:pic>
+    </p:spTree>
+    <p:extLst>
+      <p:ext uri="{BB962C8B-B14F-4D97-AF65-F5344CB8AC3E}">
+        <p14:creationId xmlns:p14="http://schemas.microsoft.com/office/powerpoint/2010/main" val="1250304291"/>
+      </p:ext>
+    </p:extLst>
+  </p:cSld>
+  <p:clrMapOvr>
+    <a:masterClrMapping/>
+  </p:clrMapOvr>
+</p:sld>
+</file>
+
+<file path=ppt/slides/slide15.xml><?xml version="1.0" encoding="utf-8"?>
+<p:sld xmlns:a="http://schemas.openxmlformats.org/drawingml/2006/main" xmlns:r="http://schemas.openxmlformats.org/officeDocument/2006/relationships" xmlns:p="http://schemas.openxmlformats.org/presentationml/2006/main">
+  <p:cSld>
+    <p:spTree>
+      <p:nvGrpSpPr>
+        <p:cNvPr id="1" name=""/>
+        <p:cNvGrpSpPr/>
+        <p:nvPr/>
+      </p:nvGrpSpPr>
+      <p:grpSpPr>
+        <a:xfrm>
+          <a:off x="0" y="0"/>
+          <a:ext cx="0" cy="0"/>
+          <a:chOff x="0" y="0"/>
+          <a:chExt cx="0" cy="0"/>
+        </a:xfrm>
+      </p:grpSpPr>
+      <p:sp>
+        <p:nvSpPr>
+          <p:cNvPr id="2" name="Title 1">
+            <a:extLst>
+              <a:ext uri="{FF2B5EF4-FFF2-40B4-BE49-F238E27FC236}">
                 <a16:creationId xmlns:a16="http://schemas.microsoft.com/office/drawing/2014/main" id="{3306A501-9E64-774A-9A34-F4CAA5C55C2B}"/>
               </a:ext>
             </a:extLst>
@@ -24620,7 +24818,7 @@
 </p:sld>
 </file>
 
-<file path=ppt/slides/slide15.xml><?xml version="1.0" encoding="utf-8"?>
+<file path=ppt/slides/slide16.xml><?xml version="1.0" encoding="utf-8"?>
 <p:sld xmlns:a="http://schemas.openxmlformats.org/drawingml/2006/main" xmlns:r="http://schemas.openxmlformats.org/officeDocument/2006/relationships" xmlns:p="http://schemas.openxmlformats.org/presentationml/2006/main">
   <p:cSld>
     <p:spTree>
